--- a/KRAFT-WORK.pptx
+++ b/KRAFT-WORK.pptx
@@ -14,7 +14,8 @@
     <p:sldId id="262" r:id="rId8"/>
     <p:sldId id="263" r:id="rId9"/>
     <p:sldId id="264" r:id="rId10"/>
-    <p:sldId id="265" r:id="rId11"/>
+    <p:sldId id="266" r:id="rId11"/>
+    <p:sldId id="265" r:id="rId12"/>
   </p:sldIdLst>
   <p:sldSz cx="12192000" cy="6858000"/>
   <p:notesSz cx="6858000" cy="9144000"/>
@@ -113,6 +114,11 @@
       </a:defRPr>
     </a:lvl9pPr>
   </p:defaultTextStyle>
+  <p:extLst>
+    <p:ext uri="{EFAFB233-063F-42B5-8137-9DF3F51BA10A}">
+      <p15:sldGuideLst xmlns:p15="http://schemas.microsoft.com/office/powerpoint/2012/main"/>
+    </p:ext>
+  </p:extLst>
 </p:presentation>
 </file>
 
@@ -5440,6 +5446,128 @@
           <p:cNvPr id="2" name="Title 1">
             <a:extLst>
               <a:ext uri="{FF2B5EF4-FFF2-40B4-BE49-F238E27FC236}">
+                <a16:creationId xmlns:a16="http://schemas.microsoft.com/office/drawing/2014/main" id="{893EB7EB-438F-4B85-8296-44A31E2B7700}"/>
+              </a:ext>
+            </a:extLst>
+          </p:cNvPr>
+          <p:cNvSpPr>
+            <a:spLocks noGrp="1"/>
+          </p:cNvSpPr>
+          <p:nvPr>
+            <p:ph type="title"/>
+          </p:nvPr>
+        </p:nvSpPr>
+        <p:spPr/>
+        <p:txBody>
+          <a:bodyPr/>
+          <a:lstStyle/>
+          <a:p>
+            <a:r>
+              <a:rPr lang="en-US" dirty="0"/>
+              <a:t>Preview</a:t>
+            </a:r>
+          </a:p>
+        </p:txBody>
+      </p:sp>
+      <p:pic>
+        <p:nvPicPr>
+          <p:cNvPr id="5" name="Content Placeholder 4">
+            <a:extLst>
+              <a:ext uri="{FF2B5EF4-FFF2-40B4-BE49-F238E27FC236}">
+                <a16:creationId xmlns:a16="http://schemas.microsoft.com/office/drawing/2014/main" id="{80D7A1C4-89D9-410E-9CE7-AE2C27F61525}"/>
+              </a:ext>
+            </a:extLst>
+          </p:cNvPr>
+          <p:cNvPicPr>
+            <a:picLocks noGrp="1" noChangeAspect="1"/>
+          </p:cNvPicPr>
+          <p:nvPr>
+            <p:ph idx="1"/>
+          </p:nvPr>
+        </p:nvPicPr>
+        <p:blipFill>
+          <a:blip r:embed="rId2"/>
+          <a:stretch>
+            <a:fillRect/>
+          </a:stretch>
+        </p:blipFill>
+        <p:spPr>
+          <a:xfrm>
+            <a:off x="4143031" y="2374900"/>
+            <a:ext cx="7620688" cy="3636963"/>
+          </a:xfrm>
+        </p:spPr>
+      </p:pic>
+      <p:sp>
+        <p:nvSpPr>
+          <p:cNvPr id="6" name="TextBox 5">
+            <a:extLst>
+              <a:ext uri="{FF2B5EF4-FFF2-40B4-BE49-F238E27FC236}">
+                <a16:creationId xmlns:a16="http://schemas.microsoft.com/office/drawing/2014/main" id="{074DE480-2DDA-4B86-846A-69F9B54BA8E1}"/>
+              </a:ext>
+            </a:extLst>
+          </p:cNvPr>
+          <p:cNvSpPr txBox="1"/>
+          <p:nvPr/>
+        </p:nvSpPr>
+        <p:spPr>
+          <a:xfrm>
+            <a:off x="352800" y="2593975"/>
+            <a:ext cx="3228769" cy="1323439"/>
+          </a:xfrm>
+          <a:prstGeom prst="rect">
+            <a:avLst/>
+          </a:prstGeom>
+          <a:noFill/>
+        </p:spPr>
+        <p:txBody>
+          <a:bodyPr wrap="none" rtlCol="0">
+            <a:spAutoFit/>
+          </a:bodyPr>
+          <a:lstStyle/>
+          <a:p>
+            <a:r>
+              <a:rPr lang="en-US" sz="8000" dirty="0"/>
+              <a:t>charts</a:t>
+            </a:r>
+          </a:p>
+        </p:txBody>
+      </p:sp>
+    </p:spTree>
+    <p:extLst>
+      <p:ext uri="{BB962C8B-B14F-4D97-AF65-F5344CB8AC3E}">
+        <p14:creationId xmlns:p14="http://schemas.microsoft.com/office/powerpoint/2010/main" val="1344483224"/>
+      </p:ext>
+    </p:extLst>
+  </p:cSld>
+  <p:clrMapOvr>
+    <a:masterClrMapping/>
+  </p:clrMapOvr>
+</p:sld>
+</file>
+
+<file path=ppt/slides/slide11.xml><?xml version="1.0" encoding="utf-8"?>
+<p:sld xmlns:a="http://schemas.openxmlformats.org/drawingml/2006/main" xmlns:r="http://schemas.openxmlformats.org/officeDocument/2006/relationships" xmlns:p="http://schemas.openxmlformats.org/presentationml/2006/main">
+  <p:cSld>
+    <p:spTree>
+      <p:nvGrpSpPr>
+        <p:cNvPr id="1" name=""/>
+        <p:cNvGrpSpPr/>
+        <p:nvPr/>
+      </p:nvGrpSpPr>
+      <p:grpSpPr>
+        <a:xfrm>
+          <a:off x="0" y="0"/>
+          <a:ext cx="0" cy="0"/>
+          <a:chOff x="0" y="0"/>
+          <a:chExt cx="0" cy="0"/>
+        </a:xfrm>
+      </p:grpSpPr>
+      <p:sp>
+        <p:nvSpPr>
+          <p:cNvPr id="2" name="Title 1">
+            <a:extLst>
+              <a:ext uri="{FF2B5EF4-FFF2-40B4-BE49-F238E27FC236}">
                 <a16:creationId xmlns:a16="http://schemas.microsoft.com/office/drawing/2014/main" id="{1835B4A7-A79E-495A-8A08-E1D6016C894C}"/>
               </a:ext>
             </a:extLst>
@@ -5486,14 +5614,33 @@
           </a:xfrm>
         </p:spPr>
         <p:txBody>
-          <a:bodyPr/>
-          <a:lstStyle/>
-          <a:p>
-            <a:r>
-              <a:rPr lang="en-US" u="sng" dirty="0">
+          <a:bodyPr>
+            <a:normAutofit fontScale="92500" lnSpcReduction="10000"/>
+          </a:bodyPr>
+          <a:lstStyle/>
+          <a:p>
+            <a:r>
+              <a:rPr lang="en-US" dirty="0"/>
+              <a:t>If you find any issues or have ideas for new features, feel free to open an issue or submit a pull request on the </a:t>
+            </a:r>
+            <a:r>
+              <a:rPr lang="en-US" dirty="0">
                 <a:hlinkClick r:id="rId2"/>
               </a:rPr>
-              <a:t>https://github.com/t-aswath/Kraft-Work</a:t>
+              <a:t>GitHub repository</a:t>
+            </a:r>
+            <a:r>
+              <a:rPr lang="en-US" dirty="0"/>
+              <a:t>. Contributions are always welcome!</a:t>
+            </a:r>
+            <a:endParaRPr lang="en-US" u="sng" dirty="0"/>
+          </a:p>
+          <a:p>
+            <a:r>
+              <a:rPr lang="en-US" u="sng" dirty="0">
+                <a:hlinkClick r:id="rId3"/>
+              </a:rPr>
+              <a:t>profile</a:t>
             </a:r>
             <a:endParaRPr lang="en-US" u="sng" dirty="0"/>
           </a:p>
@@ -6298,28 +6445,73 @@
           </a:p>
         </p:txBody>
       </p:sp>
-      <p:sp>
-        <p:nvSpPr>
-          <p:cNvPr id="3" name="Content Placeholder 2">
+      <p:pic>
+        <p:nvPicPr>
+          <p:cNvPr id="5" name="Content Placeholder 4">
             <a:extLst>
               <a:ext uri="{FF2B5EF4-FFF2-40B4-BE49-F238E27FC236}">
-                <a16:creationId xmlns:a16="http://schemas.microsoft.com/office/drawing/2014/main" id="{CBAC1CC5-DCEA-4B46-9192-97216D6C14D4}"/>
+                <a16:creationId xmlns:a16="http://schemas.microsoft.com/office/drawing/2014/main" id="{BFEF7D24-4B10-43D5-9064-57CBFF86580E}"/>
               </a:ext>
             </a:extLst>
           </p:cNvPr>
-          <p:cNvSpPr>
-            <a:spLocks noGrp="1"/>
-          </p:cNvSpPr>
+          <p:cNvPicPr>
+            <a:picLocks noGrp="1" noChangeAspect="1"/>
+          </p:cNvPicPr>
           <p:nvPr>
             <p:ph idx="1"/>
           </p:nvPr>
-        </p:nvSpPr>
-        <p:spPr/>
-        <p:txBody>
-          <a:bodyPr/>
-          <a:lstStyle/>
-          <a:p>
-            <a:endParaRPr lang="en-US"/>
+        </p:nvPicPr>
+        <p:blipFill>
+          <a:blip r:embed="rId2"/>
+          <a:stretch>
+            <a:fillRect/>
+          </a:stretch>
+        </p:blipFill>
+        <p:spPr>
+          <a:xfrm>
+            <a:off x="4133481" y="2451100"/>
+            <a:ext cx="7715988" cy="3636963"/>
+          </a:xfrm>
+        </p:spPr>
+      </p:pic>
+      <p:sp>
+        <p:nvSpPr>
+          <p:cNvPr id="6" name="TextBox 5">
+            <a:extLst>
+              <a:ext uri="{FF2B5EF4-FFF2-40B4-BE49-F238E27FC236}">
+                <a16:creationId xmlns:a16="http://schemas.microsoft.com/office/drawing/2014/main" id="{9DFB1F99-9098-4867-A05D-FB51D3101246}"/>
+              </a:ext>
+            </a:extLst>
+          </p:cNvPr>
+          <p:cNvSpPr txBox="1"/>
+          <p:nvPr/>
+        </p:nvSpPr>
+        <p:spPr>
+          <a:xfrm>
+            <a:off x="810000" y="2952750"/>
+            <a:ext cx="3068469" cy="2554545"/>
+          </a:xfrm>
+          <a:prstGeom prst="rect">
+            <a:avLst/>
+          </a:prstGeom>
+          <a:noFill/>
+        </p:spPr>
+        <p:txBody>
+          <a:bodyPr wrap="none" rtlCol="0">
+            <a:spAutoFit/>
+          </a:bodyPr>
+          <a:lstStyle/>
+          <a:p>
+            <a:r>
+              <a:rPr lang="en-US" sz="8000" dirty="0"/>
+              <a:t>Book</a:t>
+            </a:r>
+          </a:p>
+          <a:p>
+            <a:r>
+              <a:rPr lang="en-US" sz="8000" dirty="0"/>
+              <a:t>marks</a:t>
+            </a:r>
           </a:p>
         </p:txBody>
       </p:sp>
@@ -6381,28 +6573,67 @@
           </a:p>
         </p:txBody>
       </p:sp>
-      <p:sp>
-        <p:nvSpPr>
-          <p:cNvPr id="3" name="Content Placeholder 2">
+      <p:pic>
+        <p:nvPicPr>
+          <p:cNvPr id="5" name="Content Placeholder 4">
             <a:extLst>
               <a:ext uri="{FF2B5EF4-FFF2-40B4-BE49-F238E27FC236}">
-                <a16:creationId xmlns:a16="http://schemas.microsoft.com/office/drawing/2014/main" id="{FDE1F633-9B56-4C70-BEF5-371B594D3C34}"/>
+                <a16:creationId xmlns:a16="http://schemas.microsoft.com/office/drawing/2014/main" id="{80D7A1C4-89D9-410E-9CE7-AE2C27F61525}"/>
               </a:ext>
             </a:extLst>
           </p:cNvPr>
-          <p:cNvSpPr>
-            <a:spLocks noGrp="1"/>
-          </p:cNvSpPr>
+          <p:cNvPicPr>
+            <a:picLocks noGrp="1" noChangeAspect="1"/>
+          </p:cNvPicPr>
           <p:nvPr>
             <p:ph idx="1"/>
           </p:nvPr>
-        </p:nvSpPr>
-        <p:spPr/>
-        <p:txBody>
-          <a:bodyPr/>
-          <a:lstStyle/>
-          <a:p>
-            <a:endParaRPr lang="en-US"/>
+        </p:nvPicPr>
+        <p:blipFill>
+          <a:blip r:embed="rId2"/>
+          <a:stretch>
+            <a:fillRect/>
+          </a:stretch>
+        </p:blipFill>
+        <p:spPr>
+          <a:xfrm>
+            <a:off x="4143031" y="2374900"/>
+            <a:ext cx="7620688" cy="3636963"/>
+          </a:xfrm>
+        </p:spPr>
+      </p:pic>
+      <p:sp>
+        <p:nvSpPr>
+          <p:cNvPr id="6" name="TextBox 5">
+            <a:extLst>
+              <a:ext uri="{FF2B5EF4-FFF2-40B4-BE49-F238E27FC236}">
+                <a16:creationId xmlns:a16="http://schemas.microsoft.com/office/drawing/2014/main" id="{074DE480-2DDA-4B86-846A-69F9B54BA8E1}"/>
+              </a:ext>
+            </a:extLst>
+          </p:cNvPr>
+          <p:cNvSpPr txBox="1"/>
+          <p:nvPr/>
+        </p:nvSpPr>
+        <p:spPr>
+          <a:xfrm>
+            <a:off x="352800" y="2593975"/>
+            <a:ext cx="3228769" cy="1323439"/>
+          </a:xfrm>
+          <a:prstGeom prst="rect">
+            <a:avLst/>
+          </a:prstGeom>
+          <a:noFill/>
+        </p:spPr>
+        <p:txBody>
+          <a:bodyPr wrap="none" rtlCol="0">
+            <a:spAutoFit/>
+          </a:bodyPr>
+          <a:lstStyle/>
+          <a:p>
+            <a:r>
+              <a:rPr lang="en-US" sz="8000" dirty="0"/>
+              <a:t>charts</a:t>
+            </a:r>
           </a:p>
         </p:txBody>
       </p:sp>

--- a/KRAFT-WORK.pptx
+++ b/KRAFT-WORK.pptx
@@ -14,8 +14,7 @@
     <p:sldId id="262" r:id="rId8"/>
     <p:sldId id="263" r:id="rId9"/>
     <p:sldId id="264" r:id="rId10"/>
-    <p:sldId id="266" r:id="rId11"/>
-    <p:sldId id="265" r:id="rId12"/>
+    <p:sldId id="265" r:id="rId11"/>
   </p:sldIdLst>
   <p:sldSz cx="12192000" cy="6858000"/>
   <p:notesSz cx="6858000" cy="9144000"/>
@@ -217,7 +216,7 @@
           <a:effectLst/>
           <a:extLst>
             <a:ext uri="{91240B29-F687-4f45-9708-019B960494DF}">
-              <a14:hiddenLine xmlns:a14="http://schemas.microsoft.com/office/drawing/2010/main" xmlns="" w="9525">
+              <a14:hiddenLine xmlns="" xmlns:a14="http://schemas.microsoft.com/office/drawing/2010/main" w="9525">
                 <a:solidFill>
                   <a:srgbClr val="000000"/>
                 </a:solidFill>
@@ -410,7 +409,7 @@
             <a:fld id="{08B9EBBA-996F-894A-B54A-D6246ED52CEA}" type="datetimeFigureOut">
               <a:rPr lang="en-US" dirty="0"/>
               <a:pPr/>
-              <a:t>5/1/2023</a:t>
+              <a:t>5/2/2023</a:t>
             </a:fld>
             <a:endParaRPr lang="en-US" dirty="0"/>
           </a:p>
@@ -725,7 +724,7 @@
             <a:fld id="{18C79C5D-2A6F-F04D-97DA-BEF2467B64E4}" type="datetimeFigureOut">
               <a:rPr lang="en-US" dirty="0"/>
               <a:pPr/>
-              <a:t>5/1/2023</a:t>
+              <a:t>5/2/2023</a:t>
             </a:fld>
             <a:endParaRPr lang="en-US" dirty="0"/>
           </a:p>
@@ -1210,7 +1209,7 @@
             <a:fld id="{8DFA1846-DA80-1C48-A609-854EA85C59AD}" type="datetimeFigureOut">
               <a:rPr lang="en-US" dirty="0"/>
               <a:pPr/>
-              <a:t>5/1/2023</a:t>
+              <a:t>5/2/2023</a:t>
             </a:fld>
             <a:endParaRPr lang="en-US" dirty="0"/>
           </a:p>
@@ -1576,7 +1575,7 @@
             <a:fld id="{FBF54567-0DE4-3F47-BF90-CB84690072F9}" type="datetimeFigureOut">
               <a:rPr lang="en-US" dirty="0"/>
               <a:pPr/>
-              <a:t>5/1/2023</a:t>
+              <a:t>5/2/2023</a:t>
             </a:fld>
             <a:endParaRPr lang="en-US" dirty="0"/>
           </a:p>
@@ -1727,7 +1726,7 @@
           <a:ln/>
           <a:extLst>
             <a:ext uri="{91240B29-F687-4f45-9708-019B960494DF}">
-              <a14:hiddenLine xmlns:a14="http://schemas.microsoft.com/office/drawing/2010/main" xmlns="" w="9525">
+              <a14:hiddenLine xmlns="" xmlns:a14="http://schemas.microsoft.com/office/drawing/2010/main" w="9525">
                 <a:solidFill>
                   <a:srgbClr val="000000"/>
                 </a:solidFill>
@@ -1846,7 +1845,7 @@
             <a:fld id="{C6C52C72-DE31-F449-A4ED-4C594FD91407}" type="datetimeFigureOut">
               <a:rPr lang="en-US" dirty="0"/>
               <a:pPr/>
-              <a:t>5/1/2023</a:t>
+              <a:t>5/2/2023</a:t>
             </a:fld>
             <a:endParaRPr lang="en-US" dirty="0"/>
           </a:p>
@@ -1999,7 +1998,7 @@
           <a:ln/>
           <a:extLst>
             <a:ext uri="{91240B29-F687-4f45-9708-019B960494DF}">
-              <a14:hiddenLine xmlns:a14="http://schemas.microsoft.com/office/drawing/2010/main" xmlns="" w="9525">
+              <a14:hiddenLine xmlns="" xmlns:a14="http://schemas.microsoft.com/office/drawing/2010/main" w="9525">
                 <a:solidFill>
                   <a:srgbClr val="000000"/>
                 </a:solidFill>
@@ -2128,7 +2127,7 @@
             <a:fld id="{ED62726E-379B-B349-9EED-81ED093FA806}" type="datetimeFigureOut">
               <a:rPr lang="en-US" dirty="0"/>
               <a:pPr/>
-              <a:t>5/1/2023</a:t>
+              <a:t>5/2/2023</a:t>
             </a:fld>
             <a:endParaRPr lang="en-US" dirty="0"/>
           </a:p>
@@ -2279,7 +2278,7 @@
           <a:ln/>
           <a:extLst>
             <a:ext uri="{91240B29-F687-4f45-9708-019B960494DF}">
-              <a14:hiddenLine xmlns:a14="http://schemas.microsoft.com/office/drawing/2010/main" xmlns="" w="9525">
+              <a14:hiddenLine xmlns="" xmlns:a14="http://schemas.microsoft.com/office/drawing/2010/main" w="9525">
                 <a:solidFill>
                   <a:srgbClr val="000000"/>
                 </a:solidFill>
@@ -2408,7 +2407,7 @@
             <a:fld id="{9B3A1323-8D79-1946-B0D7-40001CF92E9D}" type="datetimeFigureOut">
               <a:rPr lang="en-US" dirty="0"/>
               <a:pPr/>
-              <a:t>5/1/2023</a:t>
+              <a:t>5/2/2023</a:t>
             </a:fld>
             <a:endParaRPr lang="en-US" dirty="0"/>
           </a:p>
@@ -2748,7 +2747,7 @@
             <a:fld id="{8DFA1846-DA80-1C48-A609-854EA85C59AD}" type="datetimeFigureOut">
               <a:rPr lang="en-US" dirty="0"/>
               <a:pPr/>
-              <a:t>5/1/2023</a:t>
+              <a:t>5/2/2023</a:t>
             </a:fld>
             <a:endParaRPr lang="en-US" dirty="0"/>
           </a:p>
@@ -2899,7 +2898,7 @@
           <a:ln/>
           <a:extLst>
             <a:ext uri="{91240B29-F687-4f45-9708-019B960494DF}">
-              <a14:hiddenLine xmlns:a14="http://schemas.microsoft.com/office/drawing/2010/main" xmlns="" w="9525">
+              <a14:hiddenLine xmlns="" xmlns:a14="http://schemas.microsoft.com/office/drawing/2010/main" w="9525">
                 <a:solidFill>
                   <a:srgbClr val="000000"/>
                 </a:solidFill>
@@ -3084,7 +3083,7 @@
             <a:fld id="{57302355-E14B-8545-A8F8-0FE83CC9D524}" type="datetimeFigureOut">
               <a:rPr lang="en-US" dirty="0"/>
               <a:pPr/>
-              <a:t>5/1/2023</a:t>
+              <a:t>5/2/2023</a:t>
             </a:fld>
             <a:endParaRPr lang="en-US" dirty="0"/>
           </a:p>
@@ -3235,7 +3234,7 @@
           <a:ln/>
           <a:extLst>
             <a:ext uri="{91240B29-F687-4f45-9708-019B960494DF}">
-              <a14:hiddenLine xmlns:a14="http://schemas.microsoft.com/office/drawing/2010/main" xmlns="" w="9525">
+              <a14:hiddenLine xmlns="" xmlns:a14="http://schemas.microsoft.com/office/drawing/2010/main" w="9525">
                 <a:solidFill>
                   <a:srgbClr val="000000"/>
                 </a:solidFill>
@@ -3558,7 +3557,7 @@
             <a:fld id="{02640F58-564D-2B4F-AE67-E407BA4FCF45}" type="datetimeFigureOut">
               <a:rPr lang="en-US" dirty="0"/>
               <a:pPr/>
-              <a:t>5/1/2023</a:t>
+              <a:t>5/2/2023</a:t>
             </a:fld>
             <a:endParaRPr lang="en-US" dirty="0"/>
           </a:p>
@@ -3709,7 +3708,7 @@
           <a:ln/>
           <a:extLst>
             <a:ext uri="{91240B29-F687-4f45-9708-019B960494DF}">
-              <a14:hiddenLine xmlns:a14="http://schemas.microsoft.com/office/drawing/2010/main" xmlns="" w="9525">
+              <a14:hiddenLine xmlns="" xmlns:a14="http://schemas.microsoft.com/office/drawing/2010/main" w="9525">
                 <a:solidFill>
                   <a:srgbClr val="000000"/>
                 </a:solidFill>
@@ -3776,7 +3775,7 @@
             <a:fld id="{F13A34C8-038E-2045-AF43-DF7DBB8E0E9E}" type="datetimeFigureOut">
               <a:rPr lang="en-US" dirty="0"/>
               <a:pPr/>
-              <a:t>5/1/2023</a:t>
+              <a:t>5/2/2023</a:t>
             </a:fld>
             <a:endParaRPr lang="en-US" dirty="0"/>
           </a:p>
@@ -3868,7 +3867,7 @@
             <a:fld id="{8818C68F-D26B-8F47-958C-23B49CF8A634}" type="datetimeFigureOut">
               <a:rPr lang="en-US" dirty="0"/>
               <a:pPr/>
-              <a:t>5/1/2023</a:t>
+              <a:t>5/2/2023</a:t>
             </a:fld>
             <a:endParaRPr lang="en-US" dirty="0"/>
           </a:p>
@@ -4132,7 +4131,7 @@
           <a:ln/>
           <a:extLst>
             <a:ext uri="{91240B29-F687-4f45-9708-019B960494DF}">
-              <a14:hiddenLine xmlns:a14="http://schemas.microsoft.com/office/drawing/2010/main" xmlns="" w="9525">
+              <a14:hiddenLine xmlns="" xmlns:a14="http://schemas.microsoft.com/office/drawing/2010/main" w="9525">
                 <a:solidFill>
                   <a:srgbClr val="000000"/>
                 </a:solidFill>
@@ -4332,7 +4331,7 @@
             <a:fld id="{D0DF5E60-9974-AC48-9591-99C2BB44B7CF}" type="datetimeFigureOut">
               <a:rPr lang="en-US" dirty="0"/>
               <a:pPr/>
-              <a:t>5/1/2023</a:t>
+              <a:t>5/2/2023</a:t>
             </a:fld>
             <a:endParaRPr lang="en-US" dirty="0"/>
           </a:p>
@@ -4642,7 +4641,7 @@
             <a:fld id="{18C79C5D-2A6F-F04D-97DA-BEF2467B64E4}" type="datetimeFigureOut">
               <a:rPr lang="en-US" dirty="0"/>
               <a:pPr/>
-              <a:t>5/1/2023</a:t>
+              <a:t>5/2/2023</a:t>
             </a:fld>
             <a:endParaRPr lang="en-US" dirty="0"/>
           </a:p>
@@ -4909,7 +4908,7 @@
             <a:fld id="{09B482E8-6E0E-1B4F-B1FD-C69DB9E858D9}" type="datetimeFigureOut">
               <a:rPr lang="en-US" dirty="0"/>
               <a:pPr/>
-              <a:t>5/1/2023</a:t>
+              <a:t>5/2/2023</a:t>
             </a:fld>
             <a:endParaRPr lang="en-US" dirty="0"/>
           </a:p>
@@ -5446,128 +5445,6 @@
           <p:cNvPr id="2" name="Title 1">
             <a:extLst>
               <a:ext uri="{FF2B5EF4-FFF2-40B4-BE49-F238E27FC236}">
-                <a16:creationId xmlns:a16="http://schemas.microsoft.com/office/drawing/2014/main" id="{893EB7EB-438F-4B85-8296-44A31E2B7700}"/>
-              </a:ext>
-            </a:extLst>
-          </p:cNvPr>
-          <p:cNvSpPr>
-            <a:spLocks noGrp="1"/>
-          </p:cNvSpPr>
-          <p:nvPr>
-            <p:ph type="title"/>
-          </p:nvPr>
-        </p:nvSpPr>
-        <p:spPr/>
-        <p:txBody>
-          <a:bodyPr/>
-          <a:lstStyle/>
-          <a:p>
-            <a:r>
-              <a:rPr lang="en-US" dirty="0"/>
-              <a:t>Preview</a:t>
-            </a:r>
-          </a:p>
-        </p:txBody>
-      </p:sp>
-      <p:pic>
-        <p:nvPicPr>
-          <p:cNvPr id="5" name="Content Placeholder 4">
-            <a:extLst>
-              <a:ext uri="{FF2B5EF4-FFF2-40B4-BE49-F238E27FC236}">
-                <a16:creationId xmlns:a16="http://schemas.microsoft.com/office/drawing/2014/main" id="{80D7A1C4-89D9-410E-9CE7-AE2C27F61525}"/>
-              </a:ext>
-            </a:extLst>
-          </p:cNvPr>
-          <p:cNvPicPr>
-            <a:picLocks noGrp="1" noChangeAspect="1"/>
-          </p:cNvPicPr>
-          <p:nvPr>
-            <p:ph idx="1"/>
-          </p:nvPr>
-        </p:nvPicPr>
-        <p:blipFill>
-          <a:blip r:embed="rId2"/>
-          <a:stretch>
-            <a:fillRect/>
-          </a:stretch>
-        </p:blipFill>
-        <p:spPr>
-          <a:xfrm>
-            <a:off x="4143031" y="2374900"/>
-            <a:ext cx="7620688" cy="3636963"/>
-          </a:xfrm>
-        </p:spPr>
-      </p:pic>
-      <p:sp>
-        <p:nvSpPr>
-          <p:cNvPr id="6" name="TextBox 5">
-            <a:extLst>
-              <a:ext uri="{FF2B5EF4-FFF2-40B4-BE49-F238E27FC236}">
-                <a16:creationId xmlns:a16="http://schemas.microsoft.com/office/drawing/2014/main" id="{074DE480-2DDA-4B86-846A-69F9B54BA8E1}"/>
-              </a:ext>
-            </a:extLst>
-          </p:cNvPr>
-          <p:cNvSpPr txBox="1"/>
-          <p:nvPr/>
-        </p:nvSpPr>
-        <p:spPr>
-          <a:xfrm>
-            <a:off x="352800" y="2593975"/>
-            <a:ext cx="3228769" cy="1323439"/>
-          </a:xfrm>
-          <a:prstGeom prst="rect">
-            <a:avLst/>
-          </a:prstGeom>
-          <a:noFill/>
-        </p:spPr>
-        <p:txBody>
-          <a:bodyPr wrap="none" rtlCol="0">
-            <a:spAutoFit/>
-          </a:bodyPr>
-          <a:lstStyle/>
-          <a:p>
-            <a:r>
-              <a:rPr lang="en-US" sz="8000" dirty="0"/>
-              <a:t>charts</a:t>
-            </a:r>
-          </a:p>
-        </p:txBody>
-      </p:sp>
-    </p:spTree>
-    <p:extLst>
-      <p:ext uri="{BB962C8B-B14F-4D97-AF65-F5344CB8AC3E}">
-        <p14:creationId xmlns:p14="http://schemas.microsoft.com/office/powerpoint/2010/main" val="1344483224"/>
-      </p:ext>
-    </p:extLst>
-  </p:cSld>
-  <p:clrMapOvr>
-    <a:masterClrMapping/>
-  </p:clrMapOvr>
-</p:sld>
-</file>
-
-<file path=ppt/slides/slide11.xml><?xml version="1.0" encoding="utf-8"?>
-<p:sld xmlns:a="http://schemas.openxmlformats.org/drawingml/2006/main" xmlns:r="http://schemas.openxmlformats.org/officeDocument/2006/relationships" xmlns:p="http://schemas.openxmlformats.org/presentationml/2006/main">
-  <p:cSld>
-    <p:spTree>
-      <p:nvGrpSpPr>
-        <p:cNvPr id="1" name=""/>
-        <p:cNvGrpSpPr/>
-        <p:nvPr/>
-      </p:nvGrpSpPr>
-      <p:grpSpPr>
-        <a:xfrm>
-          <a:off x="0" y="0"/>
-          <a:ext cx="0" cy="0"/>
-          <a:chOff x="0" y="0"/>
-          <a:chExt cx="0" cy="0"/>
-        </a:xfrm>
-      </p:grpSpPr>
-      <p:sp>
-        <p:nvSpPr>
-          <p:cNvPr id="2" name="Title 1">
-            <a:extLst>
-              <a:ext uri="{FF2B5EF4-FFF2-40B4-BE49-F238E27FC236}">
                 <a16:creationId xmlns:a16="http://schemas.microsoft.com/office/drawing/2014/main" id="{1835B4A7-A79E-495A-8A08-E1D6016C894C}"/>
               </a:ext>
             </a:extLst>
@@ -5847,8 +5724,8 @@
         </p:blipFill>
         <p:spPr>
           <a:xfrm>
-            <a:off x="4514190" y="2555875"/>
-            <a:ext cx="7221270" cy="3636963"/>
+            <a:off x="4514190" y="2573964"/>
+            <a:ext cx="7221270" cy="3600785"/>
           </a:xfrm>
         </p:spPr>
       </p:pic>
@@ -5969,8 +5846,8 @@
         </p:blipFill>
         <p:spPr>
           <a:xfrm>
-            <a:off x="5212994" y="2384425"/>
-            <a:ext cx="6528512" cy="3636963"/>
+            <a:off x="5329574" y="2384425"/>
+            <a:ext cx="6295352" cy="3636963"/>
           </a:xfrm>
         </p:spPr>
       </p:pic>
@@ -6097,8 +5974,8 @@
         </p:blipFill>
         <p:spPr>
           <a:xfrm>
-            <a:off x="7629476" y="2508250"/>
-            <a:ext cx="3657698" cy="3636963"/>
+            <a:off x="7629476" y="2547898"/>
+            <a:ext cx="3657698" cy="3557666"/>
           </a:xfrm>
         </p:spPr>
       </p:pic>
@@ -6219,8 +6096,8 @@
         </p:blipFill>
         <p:spPr>
           <a:xfrm>
-            <a:off x="5072962" y="2374900"/>
-            <a:ext cx="6579976" cy="3636963"/>
+            <a:off x="5082227" y="2374900"/>
+            <a:ext cx="6561445" cy="3636963"/>
           </a:xfrm>
         </p:spPr>
       </p:pic>
@@ -6341,8 +6218,8 @@
         </p:blipFill>
         <p:spPr>
           <a:xfrm>
-            <a:off x="4490025" y="2479675"/>
-            <a:ext cx="7364850" cy="3636963"/>
+            <a:off x="4490025" y="2516470"/>
+            <a:ext cx="7364850" cy="3563372"/>
           </a:xfrm>
         </p:spPr>
       </p:pic>
@@ -6469,8 +6346,8 @@
         </p:blipFill>
         <p:spPr>
           <a:xfrm>
-            <a:off x="4133481" y="2451100"/>
-            <a:ext cx="7715988" cy="3636963"/>
+            <a:off x="4431934" y="2451100"/>
+            <a:ext cx="7119081" cy="3636963"/>
           </a:xfrm>
         </p:spPr>
       </p:pic>
@@ -6597,8 +6474,8 @@
         </p:blipFill>
         <p:spPr>
           <a:xfrm>
-            <a:off x="4143031" y="2374900"/>
-            <a:ext cx="7620688" cy="3636963"/>
+            <a:off x="4143031" y="2470620"/>
+            <a:ext cx="7620688" cy="3445523"/>
           </a:xfrm>
         </p:spPr>
       </p:pic>
